--- a/Presentación1.pptx
+++ b/Presentación1.pptx
@@ -6,6 +6,7 @@
   </p:sldMasterIdLst>
   <p:sldIdLst>
     <p:sldId id="256" r:id="rId2"/>
+    <p:sldId id="257" r:id="rId3"/>
   </p:sldIdLst>
   <p:sldSz cx="12192000" cy="6858000"/>
   <p:notesSz cx="6858000" cy="9144000"/>
@@ -104,6 +105,11 @@
       </a:defRPr>
     </a:lvl9pPr>
   </p:defaultTextStyle>
+  <p:extLst>
+    <p:ext uri="{EFAFB233-063F-42B5-8137-9DF3F51BA10A}">
+      <p15:sldGuideLst xmlns:p15="http://schemas.microsoft.com/office/powerpoint/2012/main"/>
+    </p:ext>
+  </p:extLst>
 </p:presentation>
 </file>
 
@@ -3344,50 +3350,457 @@
       </p:grpSpPr>
       <p:sp>
         <p:nvSpPr>
-          <p:cNvPr id="2" name="Título 1">
-            <a:extLst>
-              <a:ext uri="{FF2B5EF4-FFF2-40B4-BE49-F238E27FC236}">
-                <a16:creationId xmlns:a16="http://schemas.microsoft.com/office/drawing/2014/main" id="{79CB6537-1CF5-4FCB-C012-2BC459C26DC3}"/>
-              </a:ext>
-            </a:extLst>
-          </p:cNvPr>
-          <p:cNvSpPr>
-            <a:spLocks noGrp="1"/>
-          </p:cNvSpPr>
-          <p:nvPr>
-            <p:ph type="ctrTitle"/>
-          </p:nvPr>
-        </p:nvSpPr>
-        <p:spPr/>
-        <p:txBody>
-          <a:bodyPr/>
-          <a:lstStyle/>
-          <a:p>
-            <a:endParaRPr lang="es-419"/>
-          </a:p>
-        </p:txBody>
-      </p:sp>
-      <p:sp>
-        <p:nvSpPr>
-          <p:cNvPr id="3" name="Subtítulo 2">
-            <a:extLst>
-              <a:ext uri="{FF2B5EF4-FFF2-40B4-BE49-F238E27FC236}">
-                <a16:creationId xmlns:a16="http://schemas.microsoft.com/office/drawing/2014/main" id="{AAC06C65-734E-F015-0622-8086CD060E92}"/>
-              </a:ext>
-            </a:extLst>
-          </p:cNvPr>
-          <p:cNvSpPr>
-            <a:spLocks noGrp="1"/>
-          </p:cNvSpPr>
-          <p:nvPr>
-            <p:ph type="subTitle" idx="1"/>
-          </p:nvPr>
-        </p:nvSpPr>
-        <p:spPr/>
-        <p:txBody>
-          <a:bodyPr/>
-          <a:lstStyle/>
-          <a:p>
+          <p:cNvPr id="7" name="Rectángulo 6">
+            <a:extLst>
+              <a:ext uri="{FF2B5EF4-FFF2-40B4-BE49-F238E27FC236}">
+                <a16:creationId xmlns:a16="http://schemas.microsoft.com/office/drawing/2014/main" id="{55D9E11E-13C0-E791-6D71-80F47C152FF1}"/>
+              </a:ext>
+            </a:extLst>
+          </p:cNvPr>
+          <p:cNvSpPr/>
+          <p:nvPr/>
+        </p:nvSpPr>
+        <p:spPr>
+          <a:xfrm>
+            <a:off x="779172" y="629455"/>
+            <a:ext cx="1738648" cy="940158"/>
+          </a:xfrm>
+          <a:prstGeom prst="rect">
+            <a:avLst/>
+          </a:prstGeom>
+        </p:spPr>
+        <p:style>
+          <a:lnRef idx="2">
+            <a:schemeClr val="accent1">
+              <a:shade val="15000"/>
+            </a:schemeClr>
+          </a:lnRef>
+          <a:fillRef idx="1">
+            <a:schemeClr val="accent1"/>
+          </a:fillRef>
+          <a:effectRef idx="0">
+            <a:schemeClr val="accent1"/>
+          </a:effectRef>
+          <a:fontRef idx="minor">
+            <a:schemeClr val="lt1"/>
+          </a:fontRef>
+        </p:style>
+        <p:txBody>
+          <a:bodyPr rtlCol="0" anchor="ctr"/>
+          <a:lstStyle/>
+          <a:p>
+            <a:pPr algn="ctr"/>
+            <a:endParaRPr lang="es-419"/>
+          </a:p>
+        </p:txBody>
+      </p:sp>
+      <p:sp>
+        <p:nvSpPr>
+          <p:cNvPr id="8" name="Diagrama de flujo: decisión 7">
+            <a:extLst>
+              <a:ext uri="{FF2B5EF4-FFF2-40B4-BE49-F238E27FC236}">
+                <a16:creationId xmlns:a16="http://schemas.microsoft.com/office/drawing/2014/main" id="{A3AF7EC3-C5BF-2934-C489-6D62049D4224}"/>
+              </a:ext>
+            </a:extLst>
+          </p:cNvPr>
+          <p:cNvSpPr/>
+          <p:nvPr/>
+        </p:nvSpPr>
+        <p:spPr>
+          <a:xfrm>
+            <a:off x="779172" y="1902048"/>
+            <a:ext cx="1738648" cy="1704037"/>
+          </a:xfrm>
+          <a:prstGeom prst="flowChartDecision">
+            <a:avLst/>
+          </a:prstGeom>
+        </p:spPr>
+        <p:style>
+          <a:lnRef idx="2">
+            <a:schemeClr val="accent1">
+              <a:shade val="15000"/>
+            </a:schemeClr>
+          </a:lnRef>
+          <a:fillRef idx="1">
+            <a:schemeClr val="accent1"/>
+          </a:fillRef>
+          <a:effectRef idx="0">
+            <a:schemeClr val="accent1"/>
+          </a:effectRef>
+          <a:fontRef idx="minor">
+            <a:schemeClr val="lt1"/>
+          </a:fontRef>
+        </p:style>
+        <p:txBody>
+          <a:bodyPr rtlCol="0" anchor="ctr"/>
+          <a:lstStyle/>
+          <a:p>
+            <a:pPr algn="ctr"/>
+            <a:endParaRPr lang="es-419"/>
+          </a:p>
+        </p:txBody>
+      </p:sp>
+      <p:sp>
+        <p:nvSpPr>
+          <p:cNvPr id="9" name="Rectángulo: esquinas redondeadas 8">
+            <a:extLst>
+              <a:ext uri="{FF2B5EF4-FFF2-40B4-BE49-F238E27FC236}">
+                <a16:creationId xmlns:a16="http://schemas.microsoft.com/office/drawing/2014/main" id="{0A6C7B18-4BDF-8F77-43C5-E82B6BEB88B6}"/>
+              </a:ext>
+            </a:extLst>
+          </p:cNvPr>
+          <p:cNvSpPr/>
+          <p:nvPr/>
+        </p:nvSpPr>
+        <p:spPr>
+          <a:xfrm>
+            <a:off x="779172" y="3938520"/>
+            <a:ext cx="1738648" cy="1297544"/>
+          </a:xfrm>
+          <a:prstGeom prst="roundRect">
+            <a:avLst/>
+          </a:prstGeom>
+        </p:spPr>
+        <p:style>
+          <a:lnRef idx="2">
+            <a:schemeClr val="accent1">
+              <a:shade val="15000"/>
+            </a:schemeClr>
+          </a:lnRef>
+          <a:fillRef idx="1">
+            <a:schemeClr val="accent1"/>
+          </a:fillRef>
+          <a:effectRef idx="0">
+            <a:schemeClr val="accent1"/>
+          </a:effectRef>
+          <a:fontRef idx="minor">
+            <a:schemeClr val="lt1"/>
+          </a:fontRef>
+        </p:style>
+        <p:txBody>
+          <a:bodyPr rtlCol="0" anchor="ctr"/>
+          <a:lstStyle/>
+          <a:p>
+            <a:pPr algn="ctr"/>
+            <a:endParaRPr lang="es-419"/>
+          </a:p>
+        </p:txBody>
+      </p:sp>
+      <p:cxnSp>
+        <p:nvCxnSpPr>
+          <p:cNvPr id="11" name="Conector: curvado 10">
+            <a:extLst>
+              <a:ext uri="{FF2B5EF4-FFF2-40B4-BE49-F238E27FC236}">
+                <a16:creationId xmlns:a16="http://schemas.microsoft.com/office/drawing/2014/main" id="{7F89DFD8-FB97-47B7-2722-22978BE70FDA}"/>
+              </a:ext>
+            </a:extLst>
+          </p:cNvPr>
+          <p:cNvCxnSpPr>
+            <a:stCxn id="7" idx="3"/>
+            <a:endCxn id="8" idx="3"/>
+          </p:cNvCxnSpPr>
+          <p:nvPr/>
+        </p:nvCxnSpPr>
+        <p:spPr>
+          <a:xfrm>
+            <a:off x="2517820" y="1099534"/>
+            <a:ext cx="12700" cy="1654533"/>
+          </a:xfrm>
+          <a:prstGeom prst="curvedConnector3">
+            <a:avLst>
+              <a:gd name="adj1" fmla="val 1800000"/>
+            </a:avLst>
+          </a:prstGeom>
+          <a:ln>
+            <a:headEnd type="triangle"/>
+            <a:tailEnd type="triangle"/>
+          </a:ln>
+        </p:spPr>
+        <p:style>
+          <a:lnRef idx="2">
+            <a:schemeClr val="accent1"/>
+          </a:lnRef>
+          <a:fillRef idx="0">
+            <a:schemeClr val="accent1"/>
+          </a:fillRef>
+          <a:effectRef idx="1">
+            <a:schemeClr val="accent1"/>
+          </a:effectRef>
+          <a:fontRef idx="minor">
+            <a:schemeClr val="tx1"/>
+          </a:fontRef>
+        </p:style>
+      </p:cxnSp>
+      <p:cxnSp>
+        <p:nvCxnSpPr>
+          <p:cNvPr id="13" name="Conector: angular 12">
+            <a:extLst>
+              <a:ext uri="{FF2B5EF4-FFF2-40B4-BE49-F238E27FC236}">
+                <a16:creationId xmlns:a16="http://schemas.microsoft.com/office/drawing/2014/main" id="{DDFB634B-758A-8D4D-F55D-3BEF7D970B11}"/>
+              </a:ext>
+            </a:extLst>
+          </p:cNvPr>
+          <p:cNvCxnSpPr>
+            <a:stCxn id="7" idx="1"/>
+            <a:endCxn id="8" idx="1"/>
+          </p:cNvCxnSpPr>
+          <p:nvPr/>
+        </p:nvCxnSpPr>
+        <p:spPr>
+          <a:xfrm rot="10800000" flipV="1">
+            <a:off x="779172" y="1099533"/>
+            <a:ext cx="12700" cy="1654533"/>
+          </a:xfrm>
+          <a:prstGeom prst="bentConnector3">
+            <a:avLst>
+              <a:gd name="adj1" fmla="val 1800000"/>
+            </a:avLst>
+          </a:prstGeom>
+          <a:ln>
+            <a:tailEnd type="triangle"/>
+          </a:ln>
+        </p:spPr>
+        <p:style>
+          <a:lnRef idx="2">
+            <a:schemeClr val="accent1"/>
+          </a:lnRef>
+          <a:fillRef idx="0">
+            <a:schemeClr val="accent1"/>
+          </a:fillRef>
+          <a:effectRef idx="1">
+            <a:schemeClr val="accent1"/>
+          </a:effectRef>
+          <a:fontRef idx="minor">
+            <a:schemeClr val="tx1"/>
+          </a:fontRef>
+        </p:style>
+      </p:cxnSp>
+      <p:sp>
+        <p:nvSpPr>
+          <p:cNvPr id="14" name="Rectángulo 13">
+            <a:extLst>
+              <a:ext uri="{FF2B5EF4-FFF2-40B4-BE49-F238E27FC236}">
+                <a16:creationId xmlns:a16="http://schemas.microsoft.com/office/drawing/2014/main" id="{4082F351-C6A5-E33A-F055-C588F2BF32A1}"/>
+              </a:ext>
+            </a:extLst>
+          </p:cNvPr>
+          <p:cNvSpPr/>
+          <p:nvPr/>
+        </p:nvSpPr>
+        <p:spPr>
+          <a:xfrm>
+            <a:off x="931572" y="781855"/>
+            <a:ext cx="1738648" cy="940158"/>
+          </a:xfrm>
+          <a:prstGeom prst="rect">
+            <a:avLst/>
+          </a:prstGeom>
+        </p:spPr>
+        <p:style>
+          <a:lnRef idx="2">
+            <a:schemeClr val="accent1">
+              <a:shade val="15000"/>
+            </a:schemeClr>
+          </a:lnRef>
+          <a:fillRef idx="1">
+            <a:schemeClr val="accent1"/>
+          </a:fillRef>
+          <a:effectRef idx="0">
+            <a:schemeClr val="accent1"/>
+          </a:effectRef>
+          <a:fontRef idx="minor">
+            <a:schemeClr val="lt1"/>
+          </a:fontRef>
+        </p:style>
+        <p:txBody>
+          <a:bodyPr rtlCol="0" anchor="ctr"/>
+          <a:lstStyle/>
+          <a:p>
+            <a:pPr algn="ctr"/>
+            <a:endParaRPr lang="es-419"/>
+          </a:p>
+        </p:txBody>
+      </p:sp>
+      <p:sp>
+        <p:nvSpPr>
+          <p:cNvPr id="15" name="Rectángulo 14">
+            <a:extLst>
+              <a:ext uri="{FF2B5EF4-FFF2-40B4-BE49-F238E27FC236}">
+                <a16:creationId xmlns:a16="http://schemas.microsoft.com/office/drawing/2014/main" id="{9747D2EB-81A1-B09B-287C-A4FB9BBA46EC}"/>
+              </a:ext>
+            </a:extLst>
+          </p:cNvPr>
+          <p:cNvSpPr/>
+          <p:nvPr/>
+        </p:nvSpPr>
+        <p:spPr>
+          <a:xfrm>
+            <a:off x="1083972" y="934255"/>
+            <a:ext cx="1738648" cy="940158"/>
+          </a:xfrm>
+          <a:prstGeom prst="rect">
+            <a:avLst/>
+          </a:prstGeom>
+        </p:spPr>
+        <p:style>
+          <a:lnRef idx="2">
+            <a:schemeClr val="accent1">
+              <a:shade val="15000"/>
+            </a:schemeClr>
+          </a:lnRef>
+          <a:fillRef idx="1">
+            <a:schemeClr val="accent1"/>
+          </a:fillRef>
+          <a:effectRef idx="0">
+            <a:schemeClr val="accent1"/>
+          </a:effectRef>
+          <a:fontRef idx="minor">
+            <a:schemeClr val="lt1"/>
+          </a:fontRef>
+        </p:style>
+        <p:txBody>
+          <a:bodyPr rtlCol="0" anchor="ctr"/>
+          <a:lstStyle/>
+          <a:p>
+            <a:pPr algn="ctr"/>
+            <a:endParaRPr lang="es-419"/>
+          </a:p>
+        </p:txBody>
+      </p:sp>
+      <p:sp>
+        <p:nvSpPr>
+          <p:cNvPr id="16" name="Rectángulo 15">
+            <a:extLst>
+              <a:ext uri="{FF2B5EF4-FFF2-40B4-BE49-F238E27FC236}">
+                <a16:creationId xmlns:a16="http://schemas.microsoft.com/office/drawing/2014/main" id="{A1113F90-209F-A8AC-E09C-20FF28A352DA}"/>
+              </a:ext>
+            </a:extLst>
+          </p:cNvPr>
+          <p:cNvSpPr/>
+          <p:nvPr/>
+        </p:nvSpPr>
+        <p:spPr>
+          <a:xfrm>
+            <a:off x="1236372" y="1086655"/>
+            <a:ext cx="1738648" cy="940158"/>
+          </a:xfrm>
+          <a:prstGeom prst="rect">
+            <a:avLst/>
+          </a:prstGeom>
+        </p:spPr>
+        <p:style>
+          <a:lnRef idx="2">
+            <a:schemeClr val="accent1">
+              <a:shade val="15000"/>
+            </a:schemeClr>
+          </a:lnRef>
+          <a:fillRef idx="1">
+            <a:schemeClr val="accent1"/>
+          </a:fillRef>
+          <a:effectRef idx="0">
+            <a:schemeClr val="accent1"/>
+          </a:effectRef>
+          <a:fontRef idx="minor">
+            <a:schemeClr val="lt1"/>
+          </a:fontRef>
+        </p:style>
+        <p:txBody>
+          <a:bodyPr rtlCol="0" anchor="ctr"/>
+          <a:lstStyle/>
+          <a:p>
+            <a:pPr algn="ctr"/>
+            <a:endParaRPr lang="es-419"/>
+          </a:p>
+        </p:txBody>
+      </p:sp>
+      <p:sp>
+        <p:nvSpPr>
+          <p:cNvPr id="17" name="Rectángulo 16">
+            <a:extLst>
+              <a:ext uri="{FF2B5EF4-FFF2-40B4-BE49-F238E27FC236}">
+                <a16:creationId xmlns:a16="http://schemas.microsoft.com/office/drawing/2014/main" id="{65BE5AC6-5DEA-8ECE-109A-A83AE87523CA}"/>
+              </a:ext>
+            </a:extLst>
+          </p:cNvPr>
+          <p:cNvSpPr/>
+          <p:nvPr/>
+        </p:nvSpPr>
+        <p:spPr>
+          <a:xfrm>
+            <a:off x="1388772" y="1239055"/>
+            <a:ext cx="1738648" cy="940158"/>
+          </a:xfrm>
+          <a:prstGeom prst="rect">
+            <a:avLst/>
+          </a:prstGeom>
+        </p:spPr>
+        <p:style>
+          <a:lnRef idx="2">
+            <a:schemeClr val="accent1">
+              <a:shade val="15000"/>
+            </a:schemeClr>
+          </a:lnRef>
+          <a:fillRef idx="1">
+            <a:schemeClr val="accent1"/>
+          </a:fillRef>
+          <a:effectRef idx="0">
+            <a:schemeClr val="accent1"/>
+          </a:effectRef>
+          <a:fontRef idx="minor">
+            <a:schemeClr val="lt1"/>
+          </a:fontRef>
+        </p:style>
+        <p:txBody>
+          <a:bodyPr rtlCol="0" anchor="ctr"/>
+          <a:lstStyle/>
+          <a:p>
+            <a:pPr algn="ctr"/>
+            <a:endParaRPr lang="es-419"/>
+          </a:p>
+        </p:txBody>
+      </p:sp>
+      <p:sp>
+        <p:nvSpPr>
+          <p:cNvPr id="18" name="Rectángulo 17">
+            <a:extLst>
+              <a:ext uri="{FF2B5EF4-FFF2-40B4-BE49-F238E27FC236}">
+                <a16:creationId xmlns:a16="http://schemas.microsoft.com/office/drawing/2014/main" id="{49F790B0-1BC4-936A-FB2B-AAFFF6C5D541}"/>
+              </a:ext>
+            </a:extLst>
+          </p:cNvPr>
+          <p:cNvSpPr/>
+          <p:nvPr/>
+        </p:nvSpPr>
+        <p:spPr>
+          <a:xfrm>
+            <a:off x="1541172" y="1391455"/>
+            <a:ext cx="1738648" cy="940158"/>
+          </a:xfrm>
+          <a:prstGeom prst="rect">
+            <a:avLst/>
+          </a:prstGeom>
+        </p:spPr>
+        <p:style>
+          <a:lnRef idx="2">
+            <a:schemeClr val="accent1">
+              <a:shade val="15000"/>
+            </a:schemeClr>
+          </a:lnRef>
+          <a:fillRef idx="1">
+            <a:schemeClr val="accent1"/>
+          </a:fillRef>
+          <a:effectRef idx="0">
+            <a:schemeClr val="accent1"/>
+          </a:effectRef>
+          <a:fontRef idx="minor">
+            <a:schemeClr val="lt1"/>
+          </a:fontRef>
+        </p:style>
+        <p:txBody>
+          <a:bodyPr rtlCol="0" anchor="ctr"/>
+          <a:lstStyle/>
+          <a:p>
+            <a:pPr algn="ctr"/>
             <a:endParaRPr lang="es-419"/>
           </a:p>
         </p:txBody>
@@ -3396,6 +3809,86 @@
     <p:extLst>
       <p:ext uri="{BB962C8B-B14F-4D97-AF65-F5344CB8AC3E}">
         <p14:creationId xmlns:p14="http://schemas.microsoft.com/office/powerpoint/2010/main" val="2171691089"/>
+      </p:ext>
+    </p:extLst>
+  </p:cSld>
+  <p:clrMapOvr>
+    <a:masterClrMapping/>
+  </p:clrMapOvr>
+</p:sld>
+</file>
+
+<file path=ppt/slides/slide2.xml><?xml version="1.0" encoding="utf-8"?>
+<p:sld xmlns:a="http://schemas.openxmlformats.org/drawingml/2006/main" xmlns:r="http://schemas.openxmlformats.org/officeDocument/2006/relationships" xmlns:p="http://schemas.openxmlformats.org/presentationml/2006/main">
+  <p:cSld>
+    <p:spTree>
+      <p:nvGrpSpPr>
+        <p:cNvPr id="1" name=""/>
+        <p:cNvGrpSpPr/>
+        <p:nvPr/>
+      </p:nvGrpSpPr>
+      <p:grpSpPr>
+        <a:xfrm>
+          <a:off x="0" y="0"/>
+          <a:ext cx="0" cy="0"/>
+          <a:chOff x="0" y="0"/>
+          <a:chExt cx="0" cy="0"/>
+        </a:xfrm>
+      </p:grpSpPr>
+      <p:sp>
+        <p:nvSpPr>
+          <p:cNvPr id="2" name="Título 1">
+            <a:extLst>
+              <a:ext uri="{FF2B5EF4-FFF2-40B4-BE49-F238E27FC236}">
+                <a16:creationId xmlns:a16="http://schemas.microsoft.com/office/drawing/2014/main" id="{94C5E766-8AE0-DC2B-283E-9538A2B965E0}"/>
+              </a:ext>
+            </a:extLst>
+          </p:cNvPr>
+          <p:cNvSpPr>
+            <a:spLocks noGrp="1"/>
+          </p:cNvSpPr>
+          <p:nvPr>
+            <p:ph type="title"/>
+          </p:nvPr>
+        </p:nvSpPr>
+        <p:spPr/>
+        <p:txBody>
+          <a:bodyPr/>
+          <a:lstStyle/>
+          <a:p>
+            <a:endParaRPr lang="es-419"/>
+          </a:p>
+        </p:txBody>
+      </p:sp>
+      <p:sp>
+        <p:nvSpPr>
+          <p:cNvPr id="3" name="Marcador de contenido 2">
+            <a:extLst>
+              <a:ext uri="{FF2B5EF4-FFF2-40B4-BE49-F238E27FC236}">
+                <a16:creationId xmlns:a16="http://schemas.microsoft.com/office/drawing/2014/main" id="{7D15449A-CA7F-6CCD-2965-0B53CC0440CF}"/>
+              </a:ext>
+            </a:extLst>
+          </p:cNvPr>
+          <p:cNvSpPr>
+            <a:spLocks noGrp="1"/>
+          </p:cNvSpPr>
+          <p:nvPr>
+            <p:ph idx="1"/>
+          </p:nvPr>
+        </p:nvSpPr>
+        <p:spPr/>
+        <p:txBody>
+          <a:bodyPr/>
+          <a:lstStyle/>
+          <a:p>
+            <a:endParaRPr lang="es-419"/>
+          </a:p>
+        </p:txBody>
+      </p:sp>
+    </p:spTree>
+    <p:extLst>
+      <p:ext uri="{BB962C8B-B14F-4D97-AF65-F5344CB8AC3E}">
+        <p14:creationId xmlns:p14="http://schemas.microsoft.com/office/powerpoint/2010/main" val="885472929"/>
       </p:ext>
     </p:extLst>
   </p:cSld>
